--- a/GeneratingTablesPNGs/new_formatted_task2.pptx
+++ b/GeneratingTablesPNGs/new_formatted_task2.pptx
@@ -24,19 +24,19 @@
     <p:sldId id="447" r:id="rId21"/>
     <p:sldId id="387" r:id="rId22"/>
     <p:sldId id="448" r:id="rId23"/>
-    <p:sldId id="449" r:id="rId24"/>
-    <p:sldId id="450" r:id="rId25"/>
-    <p:sldId id="391" r:id="rId26"/>
-    <p:sldId id="451" r:id="rId27"/>
-    <p:sldId id="452" r:id="rId28"/>
-    <p:sldId id="453" r:id="rId29"/>
-    <p:sldId id="395" r:id="rId30"/>
-    <p:sldId id="454" r:id="rId31"/>
-    <p:sldId id="455" r:id="rId32"/>
-    <p:sldId id="459" r:id="rId33"/>
-    <p:sldId id="401" r:id="rId34"/>
-    <p:sldId id="461" r:id="rId35"/>
-    <p:sldId id="460" r:id="rId36"/>
+    <p:sldId id="487" r:id="rId24"/>
+    <p:sldId id="449" r:id="rId25"/>
+    <p:sldId id="450" r:id="rId26"/>
+    <p:sldId id="391" r:id="rId27"/>
+    <p:sldId id="451" r:id="rId28"/>
+    <p:sldId id="452" r:id="rId29"/>
+    <p:sldId id="453" r:id="rId30"/>
+    <p:sldId id="395" r:id="rId31"/>
+    <p:sldId id="454" r:id="rId32"/>
+    <p:sldId id="455" r:id="rId33"/>
+    <p:sldId id="459" r:id="rId34"/>
+    <p:sldId id="401" r:id="rId35"/>
+    <p:sldId id="461" r:id="rId36"/>
     <p:sldId id="462" r:id="rId37"/>
     <p:sldId id="464" r:id="rId38"/>
     <p:sldId id="463" r:id="rId39"/>
@@ -316,7 +316,7 @@
           <a:p>
             <a:fld id="{8B6737F6-5A2C-47DD-AB8C-49C8E5A4CE67}" type="datetimeFigureOut">
               <a:rPr lang="en-US" smtClean="0"/>
-              <a:t>6/3/2024</a:t>
+              <a:t>6/4/2024</a:t>
             </a:fld>
             <a:endParaRPr lang="en-US"/>
           </a:p>
@@ -484,7 +484,7 @@
           <a:p>
             <a:fld id="{8B6737F6-5A2C-47DD-AB8C-49C8E5A4CE67}" type="datetimeFigureOut">
               <a:rPr lang="en-US" smtClean="0"/>
-              <a:t>6/3/2024</a:t>
+              <a:t>6/4/2024</a:t>
             </a:fld>
             <a:endParaRPr lang="en-US"/>
           </a:p>
@@ -662,7 +662,7 @@
           <a:p>
             <a:fld id="{8B6737F6-5A2C-47DD-AB8C-49C8E5A4CE67}" type="datetimeFigureOut">
               <a:rPr lang="en-US" smtClean="0"/>
-              <a:t>6/3/2024</a:t>
+              <a:t>6/4/2024</a:t>
             </a:fld>
             <a:endParaRPr lang="en-US"/>
           </a:p>
@@ -830,7 +830,7 @@
           <a:p>
             <a:fld id="{8B6737F6-5A2C-47DD-AB8C-49C8E5A4CE67}" type="datetimeFigureOut">
               <a:rPr lang="en-US" smtClean="0"/>
-              <a:t>6/3/2024</a:t>
+              <a:t>6/4/2024</a:t>
             </a:fld>
             <a:endParaRPr lang="en-US"/>
           </a:p>
@@ -1075,7 +1075,7 @@
           <a:p>
             <a:fld id="{8B6737F6-5A2C-47DD-AB8C-49C8E5A4CE67}" type="datetimeFigureOut">
               <a:rPr lang="en-US" smtClean="0"/>
-              <a:t>6/3/2024</a:t>
+              <a:t>6/4/2024</a:t>
             </a:fld>
             <a:endParaRPr lang="en-US"/>
           </a:p>
@@ -1304,7 +1304,7 @@
           <a:p>
             <a:fld id="{8B6737F6-5A2C-47DD-AB8C-49C8E5A4CE67}" type="datetimeFigureOut">
               <a:rPr lang="en-US" smtClean="0"/>
-              <a:t>6/3/2024</a:t>
+              <a:t>6/4/2024</a:t>
             </a:fld>
             <a:endParaRPr lang="en-US"/>
           </a:p>
@@ -1668,7 +1668,7 @@
           <a:p>
             <a:fld id="{8B6737F6-5A2C-47DD-AB8C-49C8E5A4CE67}" type="datetimeFigureOut">
               <a:rPr lang="en-US" smtClean="0"/>
-              <a:t>6/3/2024</a:t>
+              <a:t>6/4/2024</a:t>
             </a:fld>
             <a:endParaRPr lang="en-US"/>
           </a:p>
@@ -1785,7 +1785,7 @@
           <a:p>
             <a:fld id="{8B6737F6-5A2C-47DD-AB8C-49C8E5A4CE67}" type="datetimeFigureOut">
               <a:rPr lang="en-US" smtClean="0"/>
-              <a:t>6/3/2024</a:t>
+              <a:t>6/4/2024</a:t>
             </a:fld>
             <a:endParaRPr lang="en-US"/>
           </a:p>
@@ -1880,7 +1880,7 @@
           <a:p>
             <a:fld id="{8B6737F6-5A2C-47DD-AB8C-49C8E5A4CE67}" type="datetimeFigureOut">
               <a:rPr lang="en-US" smtClean="0"/>
-              <a:t>6/3/2024</a:t>
+              <a:t>6/4/2024</a:t>
             </a:fld>
             <a:endParaRPr lang="en-US"/>
           </a:p>
@@ -2155,7 +2155,7 @@
           <a:p>
             <a:fld id="{8B6737F6-5A2C-47DD-AB8C-49C8E5A4CE67}" type="datetimeFigureOut">
               <a:rPr lang="en-US" smtClean="0"/>
-              <a:t>6/3/2024</a:t>
+              <a:t>6/4/2024</a:t>
             </a:fld>
             <a:endParaRPr lang="en-US"/>
           </a:p>
@@ -2407,7 +2407,7 @@
           <a:p>
             <a:fld id="{8B6737F6-5A2C-47DD-AB8C-49C8E5A4CE67}" type="datetimeFigureOut">
               <a:rPr lang="en-US" smtClean="0"/>
-              <a:t>6/3/2024</a:t>
+              <a:t>6/4/2024</a:t>
             </a:fld>
             <a:endParaRPr lang="en-US"/>
           </a:p>
@@ -2618,7 +2618,7 @@
           <a:p>
             <a:fld id="{8B6737F6-5A2C-47DD-AB8C-49C8E5A4CE67}" type="datetimeFigureOut">
               <a:rPr lang="en-US" smtClean="0"/>
-              <a:t>6/3/2024</a:t>
+              <a:t>6/4/2024</a:t>
             </a:fld>
             <a:endParaRPr lang="en-US"/>
           </a:p>
@@ -3153,15 +3153,15 @@
       </p:sp>
       <p:pic>
         <p:nvPicPr>
-          <p:cNvPr id="3" name="Picture 2">
-            <a:extLst>
-              <a:ext uri="{FF2B5EF4-FFF2-40B4-BE49-F238E27FC236}">
-                <a16:creationId xmlns:a16="http://schemas.microsoft.com/office/drawing/2014/main" id="{9D49DD62-A071-C10B-3369-AE6A53851946}"/>
+          <p:cNvPr id="2" name="Picture 1">
+            <a:extLst>
+              <a:ext uri="{FF2B5EF4-FFF2-40B4-BE49-F238E27FC236}">
+                <a16:creationId xmlns:a16="http://schemas.microsoft.com/office/drawing/2014/main" id="{ECB9473F-FBCE-78AF-D0E9-7F6AF6A0D5BF}"/>
               </a:ext>
             </a:extLst>
           </p:cNvPr>
           <p:cNvPicPr>
-            <a:picLocks/>
+            <a:picLocks noChangeAspect="1"/>
           </p:cNvPicPr>
           <p:nvPr/>
         </p:nvPicPr>
@@ -3243,15 +3243,15 @@
       </p:sp>
       <p:pic>
         <p:nvPicPr>
-          <p:cNvPr id="3" name="Picture 2">
-            <a:extLst>
-              <a:ext uri="{FF2B5EF4-FFF2-40B4-BE49-F238E27FC236}">
-                <a16:creationId xmlns:a16="http://schemas.microsoft.com/office/drawing/2014/main" id="{5B427622-D122-D9E9-8CEA-531BA6C2F3CB}"/>
+          <p:cNvPr id="2" name="Picture 1">
+            <a:extLst>
+              <a:ext uri="{FF2B5EF4-FFF2-40B4-BE49-F238E27FC236}">
+                <a16:creationId xmlns:a16="http://schemas.microsoft.com/office/drawing/2014/main" id="{F944EAC1-9F12-EFE2-5A4C-6CE0B8BCF24B}"/>
               </a:ext>
             </a:extLst>
           </p:cNvPr>
           <p:cNvPicPr>
-            <a:picLocks/>
+            <a:picLocks noChangeAspect="1"/>
           </p:cNvPicPr>
           <p:nvPr/>
         </p:nvPicPr>
@@ -3333,10 +3333,10 @@
       </p:sp>
       <p:pic>
         <p:nvPicPr>
-          <p:cNvPr id="3" name="Picture 2">
-            <a:extLst>
-              <a:ext uri="{FF2B5EF4-FFF2-40B4-BE49-F238E27FC236}">
-                <a16:creationId xmlns:a16="http://schemas.microsoft.com/office/drawing/2014/main" id="{5D001B1C-7B52-B606-0EF9-5FD5B9F7E3FC}"/>
+          <p:cNvPr id="2" name="Picture 1">
+            <a:extLst>
+              <a:ext uri="{FF2B5EF4-FFF2-40B4-BE49-F238E27FC236}">
+                <a16:creationId xmlns:a16="http://schemas.microsoft.com/office/drawing/2014/main" id="{85C489C2-E049-12DF-7100-96C28C5FC2C3}"/>
               </a:ext>
             </a:extLst>
           </p:cNvPr>
@@ -3435,10 +3435,10 @@
       </p:sp>
       <p:pic>
         <p:nvPicPr>
-          <p:cNvPr id="4" name="Picture 3">
-            <a:extLst>
-              <a:ext uri="{FF2B5EF4-FFF2-40B4-BE49-F238E27FC236}">
-                <a16:creationId xmlns:a16="http://schemas.microsoft.com/office/drawing/2014/main" id="{6A470F4C-60BC-1A79-DB3F-988213DEFB1D}"/>
+          <p:cNvPr id="2" name="Picture 1">
+            <a:extLst>
+              <a:ext uri="{FF2B5EF4-FFF2-40B4-BE49-F238E27FC236}">
+                <a16:creationId xmlns:a16="http://schemas.microsoft.com/office/drawing/2014/main" id="{CF811AFF-933C-B08E-616D-AD18E2ACA571}"/>
               </a:ext>
             </a:extLst>
           </p:cNvPr>
@@ -3537,10 +3537,10 @@
       </p:sp>
       <p:pic>
         <p:nvPicPr>
-          <p:cNvPr id="2" name="Picture 1">
-            <a:extLst>
-              <a:ext uri="{FF2B5EF4-FFF2-40B4-BE49-F238E27FC236}">
-                <a16:creationId xmlns:a16="http://schemas.microsoft.com/office/drawing/2014/main" id="{6B740F72-3A4A-9257-420F-F284DDC6338D}"/>
+          <p:cNvPr id="3" name="Picture 2">
+            <a:extLst>
+              <a:ext uri="{FF2B5EF4-FFF2-40B4-BE49-F238E27FC236}">
+                <a16:creationId xmlns:a16="http://schemas.microsoft.com/office/drawing/2014/main" id="{E0236114-CEAF-BFE9-097E-9F8DC3541B08}"/>
               </a:ext>
             </a:extLst>
           </p:cNvPr>
@@ -3639,10 +3639,10 @@
       </p:sp>
       <p:pic>
         <p:nvPicPr>
-          <p:cNvPr id="2" name="Picture 1">
-            <a:extLst>
-              <a:ext uri="{FF2B5EF4-FFF2-40B4-BE49-F238E27FC236}">
-                <a16:creationId xmlns:a16="http://schemas.microsoft.com/office/drawing/2014/main" id="{195984A1-FD04-E539-B4C9-F980EF99A5B3}"/>
+          <p:cNvPr id="3" name="Picture 2">
+            <a:extLst>
+              <a:ext uri="{FF2B5EF4-FFF2-40B4-BE49-F238E27FC236}">
+                <a16:creationId xmlns:a16="http://schemas.microsoft.com/office/drawing/2014/main" id="{385DDD19-5A23-FEC4-86EB-D366B399C73C}"/>
               </a:ext>
             </a:extLst>
           </p:cNvPr>
@@ -3741,10 +3741,10 @@
       </p:sp>
       <p:pic>
         <p:nvPicPr>
-          <p:cNvPr id="2" name="Picture 1">
-            <a:extLst>
-              <a:ext uri="{FF2B5EF4-FFF2-40B4-BE49-F238E27FC236}">
-                <a16:creationId xmlns:a16="http://schemas.microsoft.com/office/drawing/2014/main" id="{F62D8F50-EB60-2DF4-1E55-0EA917C88BC6}"/>
+          <p:cNvPr id="3" name="Picture 2">
+            <a:extLst>
+              <a:ext uri="{FF2B5EF4-FFF2-40B4-BE49-F238E27FC236}">
+                <a16:creationId xmlns:a16="http://schemas.microsoft.com/office/drawing/2014/main" id="{9072F1E2-CB58-F8E7-9DB5-4E5BA8D16581}"/>
               </a:ext>
             </a:extLst>
           </p:cNvPr>
@@ -3843,10 +3843,10 @@
       </p:sp>
       <p:pic>
         <p:nvPicPr>
-          <p:cNvPr id="2" name="Picture 1">
-            <a:extLst>
-              <a:ext uri="{FF2B5EF4-FFF2-40B4-BE49-F238E27FC236}">
-                <a16:creationId xmlns:a16="http://schemas.microsoft.com/office/drawing/2014/main" id="{FB28C3DD-7F66-860D-F446-DE1CE324742D}"/>
+          <p:cNvPr id="4" name="Picture 3">
+            <a:extLst>
+              <a:ext uri="{FF2B5EF4-FFF2-40B4-BE49-F238E27FC236}">
+                <a16:creationId xmlns:a16="http://schemas.microsoft.com/office/drawing/2014/main" id="{F3C623A9-6C17-F93D-7B4C-AC4945B685ED}"/>
               </a:ext>
             </a:extLst>
           </p:cNvPr>
@@ -3945,10 +3945,10 @@
       </p:sp>
       <p:pic>
         <p:nvPicPr>
-          <p:cNvPr id="3" name="Picture 2">
-            <a:extLst>
-              <a:ext uri="{FF2B5EF4-FFF2-40B4-BE49-F238E27FC236}">
-                <a16:creationId xmlns:a16="http://schemas.microsoft.com/office/drawing/2014/main" id="{FE31E608-F8A3-2285-81BA-3810E0FF84C5}"/>
+          <p:cNvPr id="4" name="Picture 3">
+            <a:extLst>
+              <a:ext uri="{FF2B5EF4-FFF2-40B4-BE49-F238E27FC236}">
+                <a16:creationId xmlns:a16="http://schemas.microsoft.com/office/drawing/2014/main" id="{2704D1F3-E5BC-A3F1-4230-DE9E82D7E7A9}"/>
               </a:ext>
             </a:extLst>
           </p:cNvPr>
@@ -4047,10 +4047,10 @@
       </p:sp>
       <p:pic>
         <p:nvPicPr>
-          <p:cNvPr id="2" name="Picture 1">
-            <a:extLst>
-              <a:ext uri="{FF2B5EF4-FFF2-40B4-BE49-F238E27FC236}">
-                <a16:creationId xmlns:a16="http://schemas.microsoft.com/office/drawing/2014/main" id="{88787AF5-463D-B0E2-1E6F-618D5CF3B8C2}"/>
+          <p:cNvPr id="4" name="Picture 3">
+            <a:extLst>
+              <a:ext uri="{FF2B5EF4-FFF2-40B4-BE49-F238E27FC236}">
+                <a16:creationId xmlns:a16="http://schemas.microsoft.com/office/drawing/2014/main" id="{4140205E-40B9-92C0-6336-AECA5A2B2B93}"/>
               </a:ext>
             </a:extLst>
           </p:cNvPr>
@@ -4137,15 +4137,15 @@
       </p:sp>
       <p:pic>
         <p:nvPicPr>
-          <p:cNvPr id="6" name="Picture 5">
-            <a:extLst>
-              <a:ext uri="{FF2B5EF4-FFF2-40B4-BE49-F238E27FC236}">
-                <a16:creationId xmlns:a16="http://schemas.microsoft.com/office/drawing/2014/main" id="{0CB97C5D-60A6-DBB6-642C-462658EB4699}"/>
+          <p:cNvPr id="3" name="Picture 2">
+            <a:extLst>
+              <a:ext uri="{FF2B5EF4-FFF2-40B4-BE49-F238E27FC236}">
+                <a16:creationId xmlns:a16="http://schemas.microsoft.com/office/drawing/2014/main" id="{752D3AC6-CB8D-5A3B-AA5B-CA72B4CCF8F9}"/>
               </a:ext>
             </a:extLst>
           </p:cNvPr>
           <p:cNvPicPr>
-            <a:picLocks/>
+            <a:picLocks noChangeAspect="1"/>
           </p:cNvPicPr>
           <p:nvPr/>
         </p:nvPicPr>
@@ -4242,7 +4242,7 @@
           <p:cNvPr id="2" name="Picture 1">
             <a:extLst>
               <a:ext uri="{FF2B5EF4-FFF2-40B4-BE49-F238E27FC236}">
-                <a16:creationId xmlns:a16="http://schemas.microsoft.com/office/drawing/2014/main" id="{B1F640AE-D91F-D08A-39AA-709286805A0B}"/>
+                <a16:creationId xmlns:a16="http://schemas.microsoft.com/office/drawing/2014/main" id="{633BA241-1107-23CE-0125-3D073CF85D1E}"/>
               </a:ext>
             </a:extLst>
           </p:cNvPr>
@@ -4270,7 +4270,7 @@
     </p:spTree>
     <p:extLst>
       <p:ext uri="{BB962C8B-B14F-4D97-AF65-F5344CB8AC3E}">
-        <p14:creationId xmlns:p14="http://schemas.microsoft.com/office/powerpoint/2010/main" val="3004814359"/>
+        <p14:creationId xmlns:p14="http://schemas.microsoft.com/office/powerpoint/2010/main" val="1823190131"/>
       </p:ext>
     </p:extLst>
   </p:cSld>
@@ -4341,10 +4341,112 @@
       </p:sp>
       <p:pic>
         <p:nvPicPr>
-          <p:cNvPr id="2" name="Picture 1">
-            <a:extLst>
-              <a:ext uri="{FF2B5EF4-FFF2-40B4-BE49-F238E27FC236}">
-                <a16:creationId xmlns:a16="http://schemas.microsoft.com/office/drawing/2014/main" id="{A033153C-4181-8FD5-0563-03001E2E2CCB}"/>
+          <p:cNvPr id="4" name="Picture 3">
+            <a:extLst>
+              <a:ext uri="{FF2B5EF4-FFF2-40B4-BE49-F238E27FC236}">
+                <a16:creationId xmlns:a16="http://schemas.microsoft.com/office/drawing/2014/main" id="{EBD8A427-A455-845E-8366-C2B7766B5D4D}"/>
+              </a:ext>
+            </a:extLst>
+          </p:cNvPr>
+          <p:cNvPicPr>
+            <a:picLocks noChangeAspect="1"/>
+          </p:cNvPicPr>
+          <p:nvPr/>
+        </p:nvPicPr>
+        <p:blipFill>
+          <a:blip r:embed="rId2"/>
+          <a:stretch>
+            <a:fillRect/>
+          </a:stretch>
+        </p:blipFill>
+        <p:spPr>
+          <a:xfrm>
+            <a:off x="0" y="251999"/>
+            <a:ext cx="12193200" cy="6361200"/>
+          </a:xfrm>
+          <a:prstGeom prst="rect">
+            <a:avLst/>
+          </a:prstGeom>
+        </p:spPr>
+      </p:pic>
+    </p:spTree>
+    <p:extLst>
+      <p:ext uri="{BB962C8B-B14F-4D97-AF65-F5344CB8AC3E}">
+        <p14:creationId xmlns:p14="http://schemas.microsoft.com/office/powerpoint/2010/main" val="3004814359"/>
+      </p:ext>
+    </p:extLst>
+  </p:cSld>
+  <p:clrMapOvr>
+    <a:masterClrMapping/>
+  </p:clrMapOvr>
+</p:sld>
+</file>
+
+<file path=ppt/slides/slide22.xml><?xml version="1.0" encoding="utf-8"?>
+<p:sld xmlns:a="http://schemas.openxmlformats.org/drawingml/2006/main" xmlns:r="http://schemas.openxmlformats.org/officeDocument/2006/relationships" xmlns:p="http://schemas.openxmlformats.org/presentationml/2006/main">
+  <p:cSld>
+    <p:spTree>
+      <p:nvGrpSpPr>
+        <p:cNvPr id="1" name="">
+          <a:extLst>
+            <a:ext uri="{FF2B5EF4-FFF2-40B4-BE49-F238E27FC236}">
+              <a16:creationId xmlns:a16="http://schemas.microsoft.com/office/drawing/2014/main" id="{89272976-4BB1-0039-FD4B-30E82AEA4A71}"/>
+            </a:ext>
+          </a:extLst>
+        </p:cNvPr>
+        <p:cNvGrpSpPr/>
+        <p:nvPr/>
+      </p:nvGrpSpPr>
+      <p:grpSpPr>
+        <a:xfrm>
+          <a:off x="0" y="0"/>
+          <a:ext cx="0" cy="0"/>
+          <a:chOff x="0" y="0"/>
+          <a:chExt cx="0" cy="0"/>
+        </a:xfrm>
+      </p:grpSpPr>
+      <p:sp>
+        <p:nvSpPr>
+          <p:cNvPr id="7" name="TextBox 6">
+            <a:extLst>
+              <a:ext uri="{FF2B5EF4-FFF2-40B4-BE49-F238E27FC236}">
+                <a16:creationId xmlns:a16="http://schemas.microsoft.com/office/drawing/2014/main" id="{867691CD-8F47-B596-16A6-C359CB1D562B}"/>
+              </a:ext>
+            </a:extLst>
+          </p:cNvPr>
+          <p:cNvSpPr txBox="1"/>
+          <p:nvPr/>
+        </p:nvSpPr>
+        <p:spPr>
+          <a:xfrm>
+            <a:off x="2244428" y="228758"/>
+            <a:ext cx="4583773" cy="369332"/>
+          </a:xfrm>
+          <a:prstGeom prst="rect">
+            <a:avLst/>
+          </a:prstGeom>
+          <a:noFill/>
+        </p:spPr>
+        <p:txBody>
+          <a:bodyPr wrap="square" rtlCol="0">
+            <a:spAutoFit/>
+          </a:bodyPr>
+          <a:lstStyle/>
+          <a:p>
+            <a:r>
+              <a:rPr lang="en-US" dirty="0"/>
+              <a:t>Table : Cereal Key Nutrition Facts </a:t>
+            </a:r>
+            <a:endParaRPr lang="en-US" sz="2400" dirty="0"/>
+          </a:p>
+        </p:txBody>
+      </p:sp>
+      <p:pic>
+        <p:nvPicPr>
+          <p:cNvPr id="3" name="Picture 2">
+            <a:extLst>
+              <a:ext uri="{FF2B5EF4-FFF2-40B4-BE49-F238E27FC236}">
+                <a16:creationId xmlns:a16="http://schemas.microsoft.com/office/drawing/2014/main" id="{25F666A7-0B1B-5DF6-BDE3-BF73F3233BCB}"/>
               </a:ext>
             </a:extLst>
           </p:cNvPr>
@@ -4382,7 +4484,7 @@
 </p:sld>
 </file>
 
-<file path=ppt/slides/slide22.xml><?xml version="1.0" encoding="utf-8"?>
+<file path=ppt/slides/slide23.xml><?xml version="1.0" encoding="utf-8"?>
 <p:sld xmlns:a="http://schemas.openxmlformats.org/drawingml/2006/main" xmlns:r="http://schemas.openxmlformats.org/officeDocument/2006/relationships" xmlns:p="http://schemas.openxmlformats.org/presentationml/2006/main">
   <p:cSld>
     <p:spTree>
@@ -4443,10 +4545,10 @@
       </p:sp>
       <p:pic>
         <p:nvPicPr>
-          <p:cNvPr id="3" name="Picture 2">
-            <a:extLst>
-              <a:ext uri="{FF2B5EF4-FFF2-40B4-BE49-F238E27FC236}">
-                <a16:creationId xmlns:a16="http://schemas.microsoft.com/office/drawing/2014/main" id="{83CE28B8-DE99-5221-E1CF-30A123CA1F1F}"/>
+          <p:cNvPr id="2" name="Picture 1">
+            <a:extLst>
+              <a:ext uri="{FF2B5EF4-FFF2-40B4-BE49-F238E27FC236}">
+                <a16:creationId xmlns:a16="http://schemas.microsoft.com/office/drawing/2014/main" id="{0CD17AF8-29C6-5146-00C3-0C2C2371C7A2}"/>
               </a:ext>
             </a:extLst>
           </p:cNvPr>
@@ -4475,108 +4577,6 @@
     <p:extLst>
       <p:ext uri="{BB962C8B-B14F-4D97-AF65-F5344CB8AC3E}">
         <p14:creationId xmlns:p14="http://schemas.microsoft.com/office/powerpoint/2010/main" val="2921729846"/>
-      </p:ext>
-    </p:extLst>
-  </p:cSld>
-  <p:clrMapOvr>
-    <a:masterClrMapping/>
-  </p:clrMapOvr>
-</p:sld>
-</file>
-
-<file path=ppt/slides/slide23.xml><?xml version="1.0" encoding="utf-8"?>
-<p:sld xmlns:a="http://schemas.openxmlformats.org/drawingml/2006/main" xmlns:r="http://schemas.openxmlformats.org/officeDocument/2006/relationships" xmlns:p="http://schemas.openxmlformats.org/presentationml/2006/main">
-  <p:cSld>
-    <p:spTree>
-      <p:nvGrpSpPr>
-        <p:cNvPr id="1" name="">
-          <a:extLst>
-            <a:ext uri="{FF2B5EF4-FFF2-40B4-BE49-F238E27FC236}">
-              <a16:creationId xmlns:a16="http://schemas.microsoft.com/office/drawing/2014/main" id="{89272976-4BB1-0039-FD4B-30E82AEA4A71}"/>
-            </a:ext>
-          </a:extLst>
-        </p:cNvPr>
-        <p:cNvGrpSpPr/>
-        <p:nvPr/>
-      </p:nvGrpSpPr>
-      <p:grpSpPr>
-        <a:xfrm>
-          <a:off x="0" y="0"/>
-          <a:ext cx="0" cy="0"/>
-          <a:chOff x="0" y="0"/>
-          <a:chExt cx="0" cy="0"/>
-        </a:xfrm>
-      </p:grpSpPr>
-      <p:sp>
-        <p:nvSpPr>
-          <p:cNvPr id="7" name="TextBox 6">
-            <a:extLst>
-              <a:ext uri="{FF2B5EF4-FFF2-40B4-BE49-F238E27FC236}">
-                <a16:creationId xmlns:a16="http://schemas.microsoft.com/office/drawing/2014/main" id="{867691CD-8F47-B596-16A6-C359CB1D562B}"/>
-              </a:ext>
-            </a:extLst>
-          </p:cNvPr>
-          <p:cNvSpPr txBox="1"/>
-          <p:nvPr/>
-        </p:nvSpPr>
-        <p:spPr>
-          <a:xfrm>
-            <a:off x="2244428" y="228758"/>
-            <a:ext cx="4583773" cy="369332"/>
-          </a:xfrm>
-          <a:prstGeom prst="rect">
-            <a:avLst/>
-          </a:prstGeom>
-          <a:noFill/>
-        </p:spPr>
-        <p:txBody>
-          <a:bodyPr wrap="square" rtlCol="0">
-            <a:spAutoFit/>
-          </a:bodyPr>
-          <a:lstStyle/>
-          <a:p>
-            <a:r>
-              <a:rPr lang="en-US" dirty="0"/>
-              <a:t>Table : Cereal Key Nutrition Facts </a:t>
-            </a:r>
-            <a:endParaRPr lang="en-US" sz="2400" dirty="0"/>
-          </a:p>
-        </p:txBody>
-      </p:sp>
-      <p:pic>
-        <p:nvPicPr>
-          <p:cNvPr id="2" name="Picture 1">
-            <a:extLst>
-              <a:ext uri="{FF2B5EF4-FFF2-40B4-BE49-F238E27FC236}">
-                <a16:creationId xmlns:a16="http://schemas.microsoft.com/office/drawing/2014/main" id="{4FAD87C3-68E4-D898-AA69-98C9AB3ABBEC}"/>
-              </a:ext>
-            </a:extLst>
-          </p:cNvPr>
-          <p:cNvPicPr>
-            <a:picLocks noChangeAspect="1"/>
-          </p:cNvPicPr>
-          <p:nvPr/>
-        </p:nvPicPr>
-        <p:blipFill>
-          <a:blip r:embed="rId2"/>
-          <a:stretch>
-            <a:fillRect/>
-          </a:stretch>
-        </p:blipFill>
-        <p:spPr>
-          <a:xfrm>
-            <a:off x="0" y="251999"/>
-            <a:ext cx="12193200" cy="6361200"/>
-          </a:xfrm>
-          <a:prstGeom prst="rect">
-            <a:avLst/>
-          </a:prstGeom>
-        </p:spPr>
-      </p:pic>
-    </p:spTree>
-    <p:extLst>
-      <p:ext uri="{BB962C8B-B14F-4D97-AF65-F5344CB8AC3E}">
-        <p14:creationId xmlns:p14="http://schemas.microsoft.com/office/powerpoint/2010/main" val="526976295"/>
       </p:ext>
     </p:extLst>
   </p:cSld>
@@ -4647,10 +4647,10 @@
       </p:sp>
       <p:pic>
         <p:nvPicPr>
-          <p:cNvPr id="2" name="Picture 1">
-            <a:extLst>
-              <a:ext uri="{FF2B5EF4-FFF2-40B4-BE49-F238E27FC236}">
-                <a16:creationId xmlns:a16="http://schemas.microsoft.com/office/drawing/2014/main" id="{0DA22CE5-BC83-F16F-E13E-6C79BEED245C}"/>
+          <p:cNvPr id="3" name="Picture 2">
+            <a:extLst>
+              <a:ext uri="{FF2B5EF4-FFF2-40B4-BE49-F238E27FC236}">
+                <a16:creationId xmlns:a16="http://schemas.microsoft.com/office/drawing/2014/main" id="{EB22DA7E-8A9A-D984-835F-CCF88BA66021}"/>
               </a:ext>
             </a:extLst>
           </p:cNvPr>
@@ -4678,7 +4678,7 @@
     </p:spTree>
     <p:extLst>
       <p:ext uri="{BB962C8B-B14F-4D97-AF65-F5344CB8AC3E}">
-        <p14:creationId xmlns:p14="http://schemas.microsoft.com/office/powerpoint/2010/main" val="869439305"/>
+        <p14:creationId xmlns:p14="http://schemas.microsoft.com/office/powerpoint/2010/main" val="526976295"/>
       </p:ext>
     </p:extLst>
   </p:cSld>
@@ -4749,10 +4749,112 @@
       </p:sp>
       <p:pic>
         <p:nvPicPr>
-          <p:cNvPr id="2" name="Picture 1">
-            <a:extLst>
-              <a:ext uri="{FF2B5EF4-FFF2-40B4-BE49-F238E27FC236}">
-                <a16:creationId xmlns:a16="http://schemas.microsoft.com/office/drawing/2014/main" id="{A1BB7F11-828D-6315-D0D4-2240DD8B0489}"/>
+          <p:cNvPr id="3" name="Picture 2">
+            <a:extLst>
+              <a:ext uri="{FF2B5EF4-FFF2-40B4-BE49-F238E27FC236}">
+                <a16:creationId xmlns:a16="http://schemas.microsoft.com/office/drawing/2014/main" id="{EF0C128B-1C05-D03E-02F9-21C8567B8EE1}"/>
+              </a:ext>
+            </a:extLst>
+          </p:cNvPr>
+          <p:cNvPicPr>
+            <a:picLocks noChangeAspect="1"/>
+          </p:cNvPicPr>
+          <p:nvPr/>
+        </p:nvPicPr>
+        <p:blipFill>
+          <a:blip r:embed="rId2"/>
+          <a:stretch>
+            <a:fillRect/>
+          </a:stretch>
+        </p:blipFill>
+        <p:spPr>
+          <a:xfrm>
+            <a:off x="0" y="251999"/>
+            <a:ext cx="12193200" cy="6361200"/>
+          </a:xfrm>
+          <a:prstGeom prst="rect">
+            <a:avLst/>
+          </a:prstGeom>
+        </p:spPr>
+      </p:pic>
+    </p:spTree>
+    <p:extLst>
+      <p:ext uri="{BB962C8B-B14F-4D97-AF65-F5344CB8AC3E}">
+        <p14:creationId xmlns:p14="http://schemas.microsoft.com/office/powerpoint/2010/main" val="869439305"/>
+      </p:ext>
+    </p:extLst>
+  </p:cSld>
+  <p:clrMapOvr>
+    <a:masterClrMapping/>
+  </p:clrMapOvr>
+</p:sld>
+</file>
+
+<file path=ppt/slides/slide26.xml><?xml version="1.0" encoding="utf-8"?>
+<p:sld xmlns:a="http://schemas.openxmlformats.org/drawingml/2006/main" xmlns:r="http://schemas.openxmlformats.org/officeDocument/2006/relationships" xmlns:p="http://schemas.openxmlformats.org/presentationml/2006/main">
+  <p:cSld>
+    <p:spTree>
+      <p:nvGrpSpPr>
+        <p:cNvPr id="1" name="">
+          <a:extLst>
+            <a:ext uri="{FF2B5EF4-FFF2-40B4-BE49-F238E27FC236}">
+              <a16:creationId xmlns:a16="http://schemas.microsoft.com/office/drawing/2014/main" id="{89272976-4BB1-0039-FD4B-30E82AEA4A71}"/>
+            </a:ext>
+          </a:extLst>
+        </p:cNvPr>
+        <p:cNvGrpSpPr/>
+        <p:nvPr/>
+      </p:nvGrpSpPr>
+      <p:grpSpPr>
+        <a:xfrm>
+          <a:off x="0" y="0"/>
+          <a:ext cx="0" cy="0"/>
+          <a:chOff x="0" y="0"/>
+          <a:chExt cx="0" cy="0"/>
+        </a:xfrm>
+      </p:grpSpPr>
+      <p:sp>
+        <p:nvSpPr>
+          <p:cNvPr id="7" name="TextBox 6">
+            <a:extLst>
+              <a:ext uri="{FF2B5EF4-FFF2-40B4-BE49-F238E27FC236}">
+                <a16:creationId xmlns:a16="http://schemas.microsoft.com/office/drawing/2014/main" id="{867691CD-8F47-B596-16A6-C359CB1D562B}"/>
+              </a:ext>
+            </a:extLst>
+          </p:cNvPr>
+          <p:cNvSpPr txBox="1"/>
+          <p:nvPr/>
+        </p:nvSpPr>
+        <p:spPr>
+          <a:xfrm>
+            <a:off x="2244428" y="228758"/>
+            <a:ext cx="4583773" cy="369332"/>
+          </a:xfrm>
+          <a:prstGeom prst="rect">
+            <a:avLst/>
+          </a:prstGeom>
+          <a:noFill/>
+        </p:spPr>
+        <p:txBody>
+          <a:bodyPr wrap="square" rtlCol="0">
+            <a:spAutoFit/>
+          </a:bodyPr>
+          <a:lstStyle/>
+          <a:p>
+            <a:r>
+              <a:rPr lang="en-US" dirty="0"/>
+              <a:t>Table : Cereal Key Nutrition Facts </a:t>
+            </a:r>
+            <a:endParaRPr lang="en-US" sz="2400" dirty="0"/>
+          </a:p>
+        </p:txBody>
+      </p:sp>
+      <p:pic>
+        <p:nvPicPr>
+          <p:cNvPr id="3" name="Picture 2">
+            <a:extLst>
+              <a:ext uri="{FF2B5EF4-FFF2-40B4-BE49-F238E27FC236}">
+                <a16:creationId xmlns:a16="http://schemas.microsoft.com/office/drawing/2014/main" id="{C0A28267-A3D2-02DF-A188-74CCDC1440AD}"/>
               </a:ext>
             </a:extLst>
           </p:cNvPr>
@@ -4790,7 +4892,7 @@
 </p:sld>
 </file>
 
-<file path=ppt/slides/slide26.xml><?xml version="1.0" encoding="utf-8"?>
+<file path=ppt/slides/slide27.xml><?xml version="1.0" encoding="utf-8"?>
 <p:sld xmlns:a="http://schemas.openxmlformats.org/drawingml/2006/main" xmlns:r="http://schemas.openxmlformats.org/officeDocument/2006/relationships" xmlns:p="http://schemas.openxmlformats.org/presentationml/2006/main">
   <p:cSld>
     <p:spTree>
@@ -4851,10 +4953,10 @@
       </p:sp>
       <p:pic>
         <p:nvPicPr>
-          <p:cNvPr id="3" name="Picture 2">
-            <a:extLst>
-              <a:ext uri="{FF2B5EF4-FFF2-40B4-BE49-F238E27FC236}">
-                <a16:creationId xmlns:a16="http://schemas.microsoft.com/office/drawing/2014/main" id="{96920BB1-D20C-53C8-CDED-40353B636D6B}"/>
+          <p:cNvPr id="2" name="Picture 1">
+            <a:extLst>
+              <a:ext uri="{FF2B5EF4-FFF2-40B4-BE49-F238E27FC236}">
+                <a16:creationId xmlns:a16="http://schemas.microsoft.com/office/drawing/2014/main" id="{483FEE1B-D8F7-FA84-C0AB-33E4CBA3A758}"/>
               </a:ext>
             </a:extLst>
           </p:cNvPr>
@@ -4883,108 +4985,6 @@
     <p:extLst>
       <p:ext uri="{BB962C8B-B14F-4D97-AF65-F5344CB8AC3E}">
         <p14:creationId xmlns:p14="http://schemas.microsoft.com/office/powerpoint/2010/main" val="3664490015"/>
-      </p:ext>
-    </p:extLst>
-  </p:cSld>
-  <p:clrMapOvr>
-    <a:masterClrMapping/>
-  </p:clrMapOvr>
-</p:sld>
-</file>
-
-<file path=ppt/slides/slide27.xml><?xml version="1.0" encoding="utf-8"?>
-<p:sld xmlns:a="http://schemas.openxmlformats.org/drawingml/2006/main" xmlns:r="http://schemas.openxmlformats.org/officeDocument/2006/relationships" xmlns:p="http://schemas.openxmlformats.org/presentationml/2006/main">
-  <p:cSld>
-    <p:spTree>
-      <p:nvGrpSpPr>
-        <p:cNvPr id="1" name="">
-          <a:extLst>
-            <a:ext uri="{FF2B5EF4-FFF2-40B4-BE49-F238E27FC236}">
-              <a16:creationId xmlns:a16="http://schemas.microsoft.com/office/drawing/2014/main" id="{89272976-4BB1-0039-FD4B-30E82AEA4A71}"/>
-            </a:ext>
-          </a:extLst>
-        </p:cNvPr>
-        <p:cNvGrpSpPr/>
-        <p:nvPr/>
-      </p:nvGrpSpPr>
-      <p:grpSpPr>
-        <a:xfrm>
-          <a:off x="0" y="0"/>
-          <a:ext cx="0" cy="0"/>
-          <a:chOff x="0" y="0"/>
-          <a:chExt cx="0" cy="0"/>
-        </a:xfrm>
-      </p:grpSpPr>
-      <p:sp>
-        <p:nvSpPr>
-          <p:cNvPr id="7" name="TextBox 6">
-            <a:extLst>
-              <a:ext uri="{FF2B5EF4-FFF2-40B4-BE49-F238E27FC236}">
-                <a16:creationId xmlns:a16="http://schemas.microsoft.com/office/drawing/2014/main" id="{867691CD-8F47-B596-16A6-C359CB1D562B}"/>
-              </a:ext>
-            </a:extLst>
-          </p:cNvPr>
-          <p:cNvSpPr txBox="1"/>
-          <p:nvPr/>
-        </p:nvSpPr>
-        <p:spPr>
-          <a:xfrm>
-            <a:off x="2244428" y="228758"/>
-            <a:ext cx="4583773" cy="369332"/>
-          </a:xfrm>
-          <a:prstGeom prst="rect">
-            <a:avLst/>
-          </a:prstGeom>
-          <a:noFill/>
-        </p:spPr>
-        <p:txBody>
-          <a:bodyPr wrap="square" rtlCol="0">
-            <a:spAutoFit/>
-          </a:bodyPr>
-          <a:lstStyle/>
-          <a:p>
-            <a:r>
-              <a:rPr lang="en-US" dirty="0"/>
-              <a:t>Table : Cereal Key Nutrition Facts </a:t>
-            </a:r>
-            <a:endParaRPr lang="en-US" sz="2400" dirty="0"/>
-          </a:p>
-        </p:txBody>
-      </p:sp>
-      <p:pic>
-        <p:nvPicPr>
-          <p:cNvPr id="2" name="Picture 1">
-            <a:extLst>
-              <a:ext uri="{FF2B5EF4-FFF2-40B4-BE49-F238E27FC236}">
-                <a16:creationId xmlns:a16="http://schemas.microsoft.com/office/drawing/2014/main" id="{4F0EEEFD-2D21-1B58-C854-BBC14400F982}"/>
-              </a:ext>
-            </a:extLst>
-          </p:cNvPr>
-          <p:cNvPicPr>
-            <a:picLocks noChangeAspect="1"/>
-          </p:cNvPicPr>
-          <p:nvPr/>
-        </p:nvPicPr>
-        <p:blipFill>
-          <a:blip r:embed="rId2"/>
-          <a:stretch>
-            <a:fillRect/>
-          </a:stretch>
-        </p:blipFill>
-        <p:spPr>
-          <a:xfrm>
-            <a:off x="0" y="251999"/>
-            <a:ext cx="12193200" cy="6361200"/>
-          </a:xfrm>
-          <a:prstGeom prst="rect">
-            <a:avLst/>
-          </a:prstGeom>
-        </p:spPr>
-      </p:pic>
-    </p:spTree>
-    <p:extLst>
-      <p:ext uri="{BB962C8B-B14F-4D97-AF65-F5344CB8AC3E}">
-        <p14:creationId xmlns:p14="http://schemas.microsoft.com/office/powerpoint/2010/main" val="329706377"/>
       </p:ext>
     </p:extLst>
   </p:cSld>
@@ -5055,10 +5055,10 @@
       </p:sp>
       <p:pic>
         <p:nvPicPr>
-          <p:cNvPr id="2" name="Picture 1">
-            <a:extLst>
-              <a:ext uri="{FF2B5EF4-FFF2-40B4-BE49-F238E27FC236}">
-                <a16:creationId xmlns:a16="http://schemas.microsoft.com/office/drawing/2014/main" id="{1BB2177A-4FE5-617A-AFDB-7940E74C2DD5}"/>
+          <p:cNvPr id="3" name="Picture 2">
+            <a:extLst>
+              <a:ext uri="{FF2B5EF4-FFF2-40B4-BE49-F238E27FC236}">
+                <a16:creationId xmlns:a16="http://schemas.microsoft.com/office/drawing/2014/main" id="{4072AC4C-927D-E9F2-8BFB-6A9A936A1FDD}"/>
               </a:ext>
             </a:extLst>
           </p:cNvPr>
@@ -5086,7 +5086,7 @@
     </p:spTree>
     <p:extLst>
       <p:ext uri="{BB962C8B-B14F-4D97-AF65-F5344CB8AC3E}">
-        <p14:creationId xmlns:p14="http://schemas.microsoft.com/office/powerpoint/2010/main" val="2192676101"/>
+        <p14:creationId xmlns:p14="http://schemas.microsoft.com/office/powerpoint/2010/main" val="329706377"/>
       </p:ext>
     </p:extLst>
   </p:cSld>
@@ -5104,7 +5104,7 @@
         <p:cNvPr id="1" name="">
           <a:extLst>
             <a:ext uri="{FF2B5EF4-FFF2-40B4-BE49-F238E27FC236}">
-              <a16:creationId xmlns:a16="http://schemas.microsoft.com/office/drawing/2014/main" id="{855E1F25-4EBA-F933-7957-5D697BCDF273}"/>
+              <a16:creationId xmlns:a16="http://schemas.microsoft.com/office/drawing/2014/main" id="{89272976-4BB1-0039-FD4B-30E82AEA4A71}"/>
             </a:ext>
           </a:extLst>
         </p:cNvPr>
@@ -5124,7 +5124,7 @@
           <p:cNvPr id="7" name="TextBox 6">
             <a:extLst>
               <a:ext uri="{FF2B5EF4-FFF2-40B4-BE49-F238E27FC236}">
-                <a16:creationId xmlns:a16="http://schemas.microsoft.com/office/drawing/2014/main" id="{993D3BB5-3E45-7300-3B54-AB62CDB83168}"/>
+                <a16:creationId xmlns:a16="http://schemas.microsoft.com/office/drawing/2014/main" id="{867691CD-8F47-B596-16A6-C359CB1D562B}"/>
               </a:ext>
             </a:extLst>
           </p:cNvPr>
@@ -5149,7 +5149,7 @@
           <a:p>
             <a:r>
               <a:rPr lang="en-US" dirty="0"/>
-              <a:t>Table : Candy Facts</a:t>
+              <a:t>Table : Cereal Key Nutrition Facts </a:t>
             </a:r>
             <a:endParaRPr lang="en-US" sz="2400" dirty="0"/>
           </a:p>
@@ -5157,10 +5157,10 @@
       </p:sp>
       <p:pic>
         <p:nvPicPr>
-          <p:cNvPr id="4" name="Picture 3">
-            <a:extLst>
-              <a:ext uri="{FF2B5EF4-FFF2-40B4-BE49-F238E27FC236}">
-                <a16:creationId xmlns:a16="http://schemas.microsoft.com/office/drawing/2014/main" id="{AF30F575-87A3-EC5B-2C9E-8291EC8B2D03}"/>
+          <p:cNvPr id="3" name="Picture 2">
+            <a:extLst>
+              <a:ext uri="{FF2B5EF4-FFF2-40B4-BE49-F238E27FC236}">
+                <a16:creationId xmlns:a16="http://schemas.microsoft.com/office/drawing/2014/main" id="{87DF835F-AAFF-245F-83C2-0744FB5630D7}"/>
               </a:ext>
             </a:extLst>
           </p:cNvPr>
@@ -5188,7 +5188,7 @@
     </p:spTree>
     <p:extLst>
       <p:ext uri="{BB962C8B-B14F-4D97-AF65-F5344CB8AC3E}">
-        <p14:creationId xmlns:p14="http://schemas.microsoft.com/office/powerpoint/2010/main" val="3815197971"/>
+        <p14:creationId xmlns:p14="http://schemas.microsoft.com/office/powerpoint/2010/main" val="2192676101"/>
       </p:ext>
     </p:extLst>
   </p:cSld>
@@ -5247,15 +5247,15 @@
       </p:sp>
       <p:pic>
         <p:nvPicPr>
-          <p:cNvPr id="8" name="Picture 7">
-            <a:extLst>
-              <a:ext uri="{FF2B5EF4-FFF2-40B4-BE49-F238E27FC236}">
-                <a16:creationId xmlns:a16="http://schemas.microsoft.com/office/drawing/2014/main" id="{7605C007-4B91-B32E-D2D4-6B00C7DAFAA9}"/>
+          <p:cNvPr id="2" name="Picture 1">
+            <a:extLst>
+              <a:ext uri="{FF2B5EF4-FFF2-40B4-BE49-F238E27FC236}">
+                <a16:creationId xmlns:a16="http://schemas.microsoft.com/office/drawing/2014/main" id="{EDC6A502-5A1B-00F4-1AD1-83109DE9584D}"/>
               </a:ext>
             </a:extLst>
           </p:cNvPr>
           <p:cNvPicPr>
-            <a:picLocks/>
+            <a:picLocks noChangeAspect="1"/>
           </p:cNvPicPr>
           <p:nvPr/>
         </p:nvPicPr>
@@ -5296,7 +5296,7 @@
         <p:cNvPr id="1" name="">
           <a:extLst>
             <a:ext uri="{FF2B5EF4-FFF2-40B4-BE49-F238E27FC236}">
-              <a16:creationId xmlns:a16="http://schemas.microsoft.com/office/drawing/2014/main" id="{CEC4F928-DD25-A8AB-ECFE-2ADF3B08DD07}"/>
+              <a16:creationId xmlns:a16="http://schemas.microsoft.com/office/drawing/2014/main" id="{855E1F25-4EBA-F933-7957-5D697BCDF273}"/>
             </a:ext>
           </a:extLst>
         </p:cNvPr>
@@ -5316,7 +5316,7 @@
           <p:cNvPr id="7" name="TextBox 6">
             <a:extLst>
               <a:ext uri="{FF2B5EF4-FFF2-40B4-BE49-F238E27FC236}">
-                <a16:creationId xmlns:a16="http://schemas.microsoft.com/office/drawing/2014/main" id="{3B6EDAB5-9625-4838-4D0A-DC96CA061D68}"/>
+                <a16:creationId xmlns:a16="http://schemas.microsoft.com/office/drawing/2014/main" id="{993D3BB5-3E45-7300-3B54-AB62CDB83168}"/>
               </a:ext>
             </a:extLst>
           </p:cNvPr>
@@ -5341,7 +5341,7 @@
           <a:p>
             <a:r>
               <a:rPr lang="en-US" dirty="0"/>
-              <a:t>Table : Cereal Key Nutrition Facts </a:t>
+              <a:t>Table : Candy Facts</a:t>
             </a:r>
             <a:endParaRPr lang="en-US" sz="2400" dirty="0"/>
           </a:p>
@@ -5349,10 +5349,10 @@
       </p:sp>
       <p:pic>
         <p:nvPicPr>
-          <p:cNvPr id="3" name="Picture 2">
-            <a:extLst>
-              <a:ext uri="{FF2B5EF4-FFF2-40B4-BE49-F238E27FC236}">
-                <a16:creationId xmlns:a16="http://schemas.microsoft.com/office/drawing/2014/main" id="{A42E9895-2B10-2206-ABD0-0EFBD3B6F4F9}"/>
+          <p:cNvPr id="2" name="Picture 1">
+            <a:extLst>
+              <a:ext uri="{FF2B5EF4-FFF2-40B4-BE49-F238E27FC236}">
+                <a16:creationId xmlns:a16="http://schemas.microsoft.com/office/drawing/2014/main" id="{28B8B8CF-45C9-BB5D-0C07-F87BEC98506B}"/>
               </a:ext>
             </a:extLst>
           </p:cNvPr>
@@ -5380,7 +5380,7 @@
     </p:spTree>
     <p:extLst>
       <p:ext uri="{BB962C8B-B14F-4D97-AF65-F5344CB8AC3E}">
-        <p14:creationId xmlns:p14="http://schemas.microsoft.com/office/powerpoint/2010/main" val="1085672845"/>
+        <p14:creationId xmlns:p14="http://schemas.microsoft.com/office/powerpoint/2010/main" val="3815197971"/>
       </p:ext>
     </p:extLst>
   </p:cSld>
@@ -5398,7 +5398,7 @@
         <p:cNvPr id="1" name="">
           <a:extLst>
             <a:ext uri="{FF2B5EF4-FFF2-40B4-BE49-F238E27FC236}">
-              <a16:creationId xmlns:a16="http://schemas.microsoft.com/office/drawing/2014/main" id="{855E1F25-4EBA-F933-7957-5D697BCDF273}"/>
+              <a16:creationId xmlns:a16="http://schemas.microsoft.com/office/drawing/2014/main" id="{CEC4F928-DD25-A8AB-ECFE-2ADF3B08DD07}"/>
             </a:ext>
           </a:extLst>
         </p:cNvPr>
@@ -5418,7 +5418,7 @@
           <p:cNvPr id="7" name="TextBox 6">
             <a:extLst>
               <a:ext uri="{FF2B5EF4-FFF2-40B4-BE49-F238E27FC236}">
-                <a16:creationId xmlns:a16="http://schemas.microsoft.com/office/drawing/2014/main" id="{993D3BB5-3E45-7300-3B54-AB62CDB83168}"/>
+                <a16:creationId xmlns:a16="http://schemas.microsoft.com/office/drawing/2014/main" id="{3B6EDAB5-9625-4838-4D0A-DC96CA061D68}"/>
               </a:ext>
             </a:extLst>
           </p:cNvPr>
@@ -5443,7 +5443,7 @@
           <a:p>
             <a:r>
               <a:rPr lang="en-US" dirty="0"/>
-              <a:t>Table : Candy Facts</a:t>
+              <a:t>Table : Cereal Key Nutrition Facts </a:t>
             </a:r>
             <a:endParaRPr lang="en-US" sz="2400" dirty="0"/>
           </a:p>
@@ -5454,7 +5454,7 @@
           <p:cNvPr id="2" name="Picture 1">
             <a:extLst>
               <a:ext uri="{FF2B5EF4-FFF2-40B4-BE49-F238E27FC236}">
-                <a16:creationId xmlns:a16="http://schemas.microsoft.com/office/drawing/2014/main" id="{9F4728D1-8488-9558-0335-DB4B50CA6E84}"/>
+                <a16:creationId xmlns:a16="http://schemas.microsoft.com/office/drawing/2014/main" id="{B33F14E3-FF91-49D2-C270-CFA642F41323}"/>
               </a:ext>
             </a:extLst>
           </p:cNvPr>
@@ -5482,7 +5482,7 @@
     </p:spTree>
     <p:extLst>
       <p:ext uri="{BB962C8B-B14F-4D97-AF65-F5344CB8AC3E}">
-        <p14:creationId xmlns:p14="http://schemas.microsoft.com/office/powerpoint/2010/main" val="2720378801"/>
+        <p14:creationId xmlns:p14="http://schemas.microsoft.com/office/powerpoint/2010/main" val="1085672845"/>
       </p:ext>
     </p:extLst>
   </p:cSld>
@@ -5553,10 +5553,10 @@
       </p:sp>
       <p:pic>
         <p:nvPicPr>
-          <p:cNvPr id="2" name="Picture 1">
-            <a:extLst>
-              <a:ext uri="{FF2B5EF4-FFF2-40B4-BE49-F238E27FC236}">
-                <a16:creationId xmlns:a16="http://schemas.microsoft.com/office/drawing/2014/main" id="{0A1DCBA6-E9EB-3FB0-0B2E-CDE5AAA8FA63}"/>
+          <p:cNvPr id="3" name="Picture 2">
+            <a:extLst>
+              <a:ext uri="{FF2B5EF4-FFF2-40B4-BE49-F238E27FC236}">
+                <a16:creationId xmlns:a16="http://schemas.microsoft.com/office/drawing/2014/main" id="{0E29D1B4-A196-07D8-77B8-4C881E9E0E80}"/>
               </a:ext>
             </a:extLst>
           </p:cNvPr>
@@ -5584,7 +5584,7 @@
     </p:spTree>
     <p:extLst>
       <p:ext uri="{BB962C8B-B14F-4D97-AF65-F5344CB8AC3E}">
-        <p14:creationId xmlns:p14="http://schemas.microsoft.com/office/powerpoint/2010/main" val="809103508"/>
+        <p14:creationId xmlns:p14="http://schemas.microsoft.com/office/powerpoint/2010/main" val="2720378801"/>
       </p:ext>
     </p:extLst>
   </p:cSld>
@@ -5655,10 +5655,10 @@
       </p:sp>
       <p:pic>
         <p:nvPicPr>
-          <p:cNvPr id="2" name="Picture 1">
-            <a:extLst>
-              <a:ext uri="{FF2B5EF4-FFF2-40B4-BE49-F238E27FC236}">
-                <a16:creationId xmlns:a16="http://schemas.microsoft.com/office/drawing/2014/main" id="{283E353B-1DF8-FFCF-99D0-C025A377F33A}"/>
+          <p:cNvPr id="4" name="Picture 3">
+            <a:extLst>
+              <a:ext uri="{FF2B5EF4-FFF2-40B4-BE49-F238E27FC236}">
+                <a16:creationId xmlns:a16="http://schemas.microsoft.com/office/drawing/2014/main" id="{B0E87C2D-CA9A-D8FD-A692-A23BBA4D7377}"/>
               </a:ext>
             </a:extLst>
           </p:cNvPr>
@@ -5757,10 +5757,10 @@
       </p:sp>
       <p:pic>
         <p:nvPicPr>
-          <p:cNvPr id="2" name="Picture 1">
-            <a:extLst>
-              <a:ext uri="{FF2B5EF4-FFF2-40B4-BE49-F238E27FC236}">
-                <a16:creationId xmlns:a16="http://schemas.microsoft.com/office/drawing/2014/main" id="{1998F909-EBB7-A2A6-ABE5-F94189C0F86B}"/>
+          <p:cNvPr id="3" name="Picture 2">
+            <a:extLst>
+              <a:ext uri="{FF2B5EF4-FFF2-40B4-BE49-F238E27FC236}">
+                <a16:creationId xmlns:a16="http://schemas.microsoft.com/office/drawing/2014/main" id="{0B7D1347-2AD1-79A4-C444-461525A86E44}"/>
               </a:ext>
             </a:extLst>
           </p:cNvPr>
@@ -5859,10 +5859,10 @@
       </p:sp>
       <p:pic>
         <p:nvPicPr>
-          <p:cNvPr id="2" name="Picture 1">
-            <a:extLst>
-              <a:ext uri="{FF2B5EF4-FFF2-40B4-BE49-F238E27FC236}">
-                <a16:creationId xmlns:a16="http://schemas.microsoft.com/office/drawing/2014/main" id="{330E8696-1693-42BE-9C75-824C3EE2DE1D}"/>
+          <p:cNvPr id="4" name="Picture 3">
+            <a:extLst>
+              <a:ext uri="{FF2B5EF4-FFF2-40B4-BE49-F238E27FC236}">
+                <a16:creationId xmlns:a16="http://schemas.microsoft.com/office/drawing/2014/main" id="{A792603E-2B09-46DF-C928-A6244A0A877D}"/>
               </a:ext>
             </a:extLst>
           </p:cNvPr>
@@ -5961,10 +5961,10 @@
       </p:sp>
       <p:pic>
         <p:nvPicPr>
-          <p:cNvPr id="2" name="Picture 1">
-            <a:extLst>
-              <a:ext uri="{FF2B5EF4-FFF2-40B4-BE49-F238E27FC236}">
-                <a16:creationId xmlns:a16="http://schemas.microsoft.com/office/drawing/2014/main" id="{B2E2B35F-36B7-E7BC-7DE3-93EE564F6687}"/>
+          <p:cNvPr id="3" name="Picture 2">
+            <a:extLst>
+              <a:ext uri="{FF2B5EF4-FFF2-40B4-BE49-F238E27FC236}">
+                <a16:creationId xmlns:a16="http://schemas.microsoft.com/office/drawing/2014/main" id="{2EE12755-0BEE-CD9F-9B1D-C6653F92E63D}"/>
               </a:ext>
             </a:extLst>
           </p:cNvPr>
@@ -6063,10 +6063,10 @@
       </p:sp>
       <p:pic>
         <p:nvPicPr>
-          <p:cNvPr id="2" name="Picture 1">
-            <a:extLst>
-              <a:ext uri="{FF2B5EF4-FFF2-40B4-BE49-F238E27FC236}">
-                <a16:creationId xmlns:a16="http://schemas.microsoft.com/office/drawing/2014/main" id="{91097745-F35A-727F-B102-77E5D781F645}"/>
+          <p:cNvPr id="3" name="Picture 2">
+            <a:extLst>
+              <a:ext uri="{FF2B5EF4-FFF2-40B4-BE49-F238E27FC236}">
+                <a16:creationId xmlns:a16="http://schemas.microsoft.com/office/drawing/2014/main" id="{DE5ACD73-495F-C25F-89CB-F08090FCE067}"/>
               </a:ext>
             </a:extLst>
           </p:cNvPr>
@@ -6165,10 +6165,10 @@
       </p:sp>
       <p:pic>
         <p:nvPicPr>
-          <p:cNvPr id="2" name="Picture 1">
-            <a:extLst>
-              <a:ext uri="{FF2B5EF4-FFF2-40B4-BE49-F238E27FC236}">
-                <a16:creationId xmlns:a16="http://schemas.microsoft.com/office/drawing/2014/main" id="{68E0B896-DD09-C6A0-B8B1-1DABBE3F6AFE}"/>
+          <p:cNvPr id="3" name="Picture 2">
+            <a:extLst>
+              <a:ext uri="{FF2B5EF4-FFF2-40B4-BE49-F238E27FC236}">
+                <a16:creationId xmlns:a16="http://schemas.microsoft.com/office/drawing/2014/main" id="{5A5AF479-10E1-0067-38A9-4F2EBC8D1C1F}"/>
               </a:ext>
             </a:extLst>
           </p:cNvPr>
@@ -6267,10 +6267,10 @@
       </p:sp>
       <p:pic>
         <p:nvPicPr>
-          <p:cNvPr id="2" name="Picture 1">
-            <a:extLst>
-              <a:ext uri="{FF2B5EF4-FFF2-40B4-BE49-F238E27FC236}">
-                <a16:creationId xmlns:a16="http://schemas.microsoft.com/office/drawing/2014/main" id="{8DB11D8F-F7A6-7E9C-1553-F5F806DC1D14}"/>
+          <p:cNvPr id="3" name="Picture 2">
+            <a:extLst>
+              <a:ext uri="{FF2B5EF4-FFF2-40B4-BE49-F238E27FC236}">
+                <a16:creationId xmlns:a16="http://schemas.microsoft.com/office/drawing/2014/main" id="{FE5E8A1C-9E0B-338E-3A7B-50C862152D1F}"/>
               </a:ext>
             </a:extLst>
           </p:cNvPr>
@@ -6357,15 +6357,15 @@
       </p:sp>
       <p:pic>
         <p:nvPicPr>
-          <p:cNvPr id="4" name="Picture 3">
-            <a:extLst>
-              <a:ext uri="{FF2B5EF4-FFF2-40B4-BE49-F238E27FC236}">
-                <a16:creationId xmlns:a16="http://schemas.microsoft.com/office/drawing/2014/main" id="{F51965BC-DB0B-F99C-33CE-2E9BFE3A727D}"/>
+          <p:cNvPr id="2" name="Picture 1">
+            <a:extLst>
+              <a:ext uri="{FF2B5EF4-FFF2-40B4-BE49-F238E27FC236}">
+                <a16:creationId xmlns:a16="http://schemas.microsoft.com/office/drawing/2014/main" id="{6D0859AD-AEFE-E68D-DEAE-9AED0EA66B0D}"/>
               </a:ext>
             </a:extLst>
           </p:cNvPr>
           <p:cNvPicPr>
-            <a:picLocks/>
+            <a:picLocks noChangeAspect="1"/>
           </p:cNvPicPr>
           <p:nvPr/>
         </p:nvPicPr>
@@ -6459,10 +6459,10 @@
       </p:sp>
       <p:pic>
         <p:nvPicPr>
-          <p:cNvPr id="2" name="Picture 1">
-            <a:extLst>
-              <a:ext uri="{FF2B5EF4-FFF2-40B4-BE49-F238E27FC236}">
-                <a16:creationId xmlns:a16="http://schemas.microsoft.com/office/drawing/2014/main" id="{E3EE0A2F-3AE5-513B-0634-C61C574DD41D}"/>
+          <p:cNvPr id="3" name="Picture 2">
+            <a:extLst>
+              <a:ext uri="{FF2B5EF4-FFF2-40B4-BE49-F238E27FC236}">
+                <a16:creationId xmlns:a16="http://schemas.microsoft.com/office/drawing/2014/main" id="{A90E49B0-D41D-C646-CCA6-420DF33DB79F}"/>
               </a:ext>
             </a:extLst>
           </p:cNvPr>
@@ -6561,10 +6561,10 @@
       </p:sp>
       <p:pic>
         <p:nvPicPr>
-          <p:cNvPr id="3" name="Picture 2">
-            <a:extLst>
-              <a:ext uri="{FF2B5EF4-FFF2-40B4-BE49-F238E27FC236}">
-                <a16:creationId xmlns:a16="http://schemas.microsoft.com/office/drawing/2014/main" id="{5DFB67D6-CF47-0C08-3CAD-08CF05510BC0}"/>
+          <p:cNvPr id="2" name="Picture 1">
+            <a:extLst>
+              <a:ext uri="{FF2B5EF4-FFF2-40B4-BE49-F238E27FC236}">
+                <a16:creationId xmlns:a16="http://schemas.microsoft.com/office/drawing/2014/main" id="{2B2001BF-6284-877D-8EAE-847D0175C4B3}"/>
               </a:ext>
             </a:extLst>
           </p:cNvPr>
@@ -6663,10 +6663,10 @@
       </p:sp>
       <p:pic>
         <p:nvPicPr>
-          <p:cNvPr id="2" name="Picture 1">
-            <a:extLst>
-              <a:ext uri="{FF2B5EF4-FFF2-40B4-BE49-F238E27FC236}">
-                <a16:creationId xmlns:a16="http://schemas.microsoft.com/office/drawing/2014/main" id="{3CA71266-CAD2-7D62-FDDC-86EDC89485A2}"/>
+          <p:cNvPr id="3" name="Picture 2">
+            <a:extLst>
+              <a:ext uri="{FF2B5EF4-FFF2-40B4-BE49-F238E27FC236}">
+                <a16:creationId xmlns:a16="http://schemas.microsoft.com/office/drawing/2014/main" id="{F81C39A9-B2C3-2AE2-8557-0022469DC363}"/>
               </a:ext>
             </a:extLst>
           </p:cNvPr>
@@ -6765,10 +6765,10 @@
       </p:sp>
       <p:pic>
         <p:nvPicPr>
-          <p:cNvPr id="2" name="Picture 1">
-            <a:extLst>
-              <a:ext uri="{FF2B5EF4-FFF2-40B4-BE49-F238E27FC236}">
-                <a16:creationId xmlns:a16="http://schemas.microsoft.com/office/drawing/2014/main" id="{699D1409-88AE-4745-5B84-A3D0B2539BD0}"/>
+          <p:cNvPr id="3" name="Picture 2">
+            <a:extLst>
+              <a:ext uri="{FF2B5EF4-FFF2-40B4-BE49-F238E27FC236}">
+                <a16:creationId xmlns:a16="http://schemas.microsoft.com/office/drawing/2014/main" id="{E92197F3-3908-3A72-A8C3-45980FFE455D}"/>
               </a:ext>
             </a:extLst>
           </p:cNvPr>
@@ -6867,10 +6867,10 @@
       </p:sp>
       <p:pic>
         <p:nvPicPr>
-          <p:cNvPr id="2" name="Picture 1">
-            <a:extLst>
-              <a:ext uri="{FF2B5EF4-FFF2-40B4-BE49-F238E27FC236}">
-                <a16:creationId xmlns:a16="http://schemas.microsoft.com/office/drawing/2014/main" id="{FFDDE07A-8B28-1BA9-44A3-55D10EAC9F83}"/>
+          <p:cNvPr id="3" name="Picture 2">
+            <a:extLst>
+              <a:ext uri="{FF2B5EF4-FFF2-40B4-BE49-F238E27FC236}">
+                <a16:creationId xmlns:a16="http://schemas.microsoft.com/office/drawing/2014/main" id="{F2BD2E8E-644C-B14E-715D-539D48E056EB}"/>
               </a:ext>
             </a:extLst>
           </p:cNvPr>
@@ -6969,10 +6969,10 @@
       </p:sp>
       <p:pic>
         <p:nvPicPr>
-          <p:cNvPr id="2" name="Picture 1">
-            <a:extLst>
-              <a:ext uri="{FF2B5EF4-FFF2-40B4-BE49-F238E27FC236}">
-                <a16:creationId xmlns:a16="http://schemas.microsoft.com/office/drawing/2014/main" id="{4AB1F3AE-A0E8-AF91-5F25-FBD773BB788B}"/>
+          <p:cNvPr id="3" name="Picture 2">
+            <a:extLst>
+              <a:ext uri="{FF2B5EF4-FFF2-40B4-BE49-F238E27FC236}">
+                <a16:creationId xmlns:a16="http://schemas.microsoft.com/office/drawing/2014/main" id="{52181431-67AB-D9CC-A78E-94353F5CAEBF}"/>
               </a:ext>
             </a:extLst>
           </p:cNvPr>
@@ -7071,10 +7071,10 @@
       </p:sp>
       <p:pic>
         <p:nvPicPr>
-          <p:cNvPr id="2" name="Picture 1">
-            <a:extLst>
-              <a:ext uri="{FF2B5EF4-FFF2-40B4-BE49-F238E27FC236}">
-                <a16:creationId xmlns:a16="http://schemas.microsoft.com/office/drawing/2014/main" id="{13CC574E-6834-919F-7C81-439E28A58B31}"/>
+          <p:cNvPr id="3" name="Picture 2">
+            <a:extLst>
+              <a:ext uri="{FF2B5EF4-FFF2-40B4-BE49-F238E27FC236}">
+                <a16:creationId xmlns:a16="http://schemas.microsoft.com/office/drawing/2014/main" id="{825E8F75-BBCA-994B-8887-73B1B8B3D673}"/>
               </a:ext>
             </a:extLst>
           </p:cNvPr>
@@ -7173,10 +7173,10 @@
       </p:sp>
       <p:pic>
         <p:nvPicPr>
-          <p:cNvPr id="2" name="Picture 1">
-            <a:extLst>
-              <a:ext uri="{FF2B5EF4-FFF2-40B4-BE49-F238E27FC236}">
-                <a16:creationId xmlns:a16="http://schemas.microsoft.com/office/drawing/2014/main" id="{646368BC-473F-A604-C709-117E44EF9557}"/>
+          <p:cNvPr id="3" name="Picture 2">
+            <a:extLst>
+              <a:ext uri="{FF2B5EF4-FFF2-40B4-BE49-F238E27FC236}">
+                <a16:creationId xmlns:a16="http://schemas.microsoft.com/office/drawing/2014/main" id="{4A14F180-610D-AECC-1267-D564E7CE8CC1}"/>
               </a:ext>
             </a:extLst>
           </p:cNvPr>
@@ -7275,10 +7275,10 @@
       </p:sp>
       <p:pic>
         <p:nvPicPr>
-          <p:cNvPr id="2" name="Picture 1">
-            <a:extLst>
-              <a:ext uri="{FF2B5EF4-FFF2-40B4-BE49-F238E27FC236}">
-                <a16:creationId xmlns:a16="http://schemas.microsoft.com/office/drawing/2014/main" id="{6B57CA52-E1EC-BA4A-DD7A-985247D8DB03}"/>
+          <p:cNvPr id="3" name="Picture 2">
+            <a:extLst>
+              <a:ext uri="{FF2B5EF4-FFF2-40B4-BE49-F238E27FC236}">
+                <a16:creationId xmlns:a16="http://schemas.microsoft.com/office/drawing/2014/main" id="{9632CEE5-33B2-38D8-7B85-1D2ABF4B621B}"/>
               </a:ext>
             </a:extLst>
           </p:cNvPr>
@@ -7377,10 +7377,10 @@
       </p:sp>
       <p:pic>
         <p:nvPicPr>
-          <p:cNvPr id="2" name="Picture 1">
-            <a:extLst>
-              <a:ext uri="{FF2B5EF4-FFF2-40B4-BE49-F238E27FC236}">
-                <a16:creationId xmlns:a16="http://schemas.microsoft.com/office/drawing/2014/main" id="{4519734E-12F9-DC25-A14A-602AFE6A177A}"/>
+          <p:cNvPr id="3" name="Picture 2">
+            <a:extLst>
+              <a:ext uri="{FF2B5EF4-FFF2-40B4-BE49-F238E27FC236}">
+                <a16:creationId xmlns:a16="http://schemas.microsoft.com/office/drawing/2014/main" id="{449DC883-15E0-B98E-68A6-5F97C29874CA}"/>
               </a:ext>
             </a:extLst>
           </p:cNvPr>
@@ -7470,12 +7470,12 @@
           <p:cNvPr id="2" name="Picture 1">
             <a:extLst>
               <a:ext uri="{FF2B5EF4-FFF2-40B4-BE49-F238E27FC236}">
-                <a16:creationId xmlns:a16="http://schemas.microsoft.com/office/drawing/2014/main" id="{1F46D284-CCD2-153A-D060-7FCDEFA14B2F}"/>
+                <a16:creationId xmlns:a16="http://schemas.microsoft.com/office/drawing/2014/main" id="{933D5728-E41F-428C-FFF7-E2B512E5FD73}"/>
               </a:ext>
             </a:extLst>
           </p:cNvPr>
           <p:cNvPicPr>
-            <a:picLocks/>
+            <a:picLocks noChangeAspect="1"/>
           </p:cNvPicPr>
           <p:nvPr/>
         </p:nvPicPr>
@@ -7569,10 +7569,10 @@
       </p:sp>
       <p:pic>
         <p:nvPicPr>
-          <p:cNvPr id="2" name="Picture 1">
-            <a:extLst>
-              <a:ext uri="{FF2B5EF4-FFF2-40B4-BE49-F238E27FC236}">
-                <a16:creationId xmlns:a16="http://schemas.microsoft.com/office/drawing/2014/main" id="{1DF6F7EF-B2D8-44CF-5A29-A246840A7D59}"/>
+          <p:cNvPr id="3" name="Picture 2">
+            <a:extLst>
+              <a:ext uri="{FF2B5EF4-FFF2-40B4-BE49-F238E27FC236}">
+                <a16:creationId xmlns:a16="http://schemas.microsoft.com/office/drawing/2014/main" id="{06976ECB-349F-1AA3-1BAA-1D31C1A420B3}"/>
               </a:ext>
             </a:extLst>
           </p:cNvPr>
@@ -7671,10 +7671,10 @@
       </p:sp>
       <p:pic>
         <p:nvPicPr>
-          <p:cNvPr id="2" name="Picture 1">
-            <a:extLst>
-              <a:ext uri="{FF2B5EF4-FFF2-40B4-BE49-F238E27FC236}">
-                <a16:creationId xmlns:a16="http://schemas.microsoft.com/office/drawing/2014/main" id="{EFE339CB-4C12-9707-33D5-601A014CBE3A}"/>
+          <p:cNvPr id="3" name="Picture 2">
+            <a:extLst>
+              <a:ext uri="{FF2B5EF4-FFF2-40B4-BE49-F238E27FC236}">
+                <a16:creationId xmlns:a16="http://schemas.microsoft.com/office/drawing/2014/main" id="{5B02DCB8-DACC-E7B6-E3E9-990E290793F1}"/>
               </a:ext>
             </a:extLst>
           </p:cNvPr>
@@ -7773,10 +7773,10 @@
       </p:sp>
       <p:pic>
         <p:nvPicPr>
-          <p:cNvPr id="2" name="Picture 1">
-            <a:extLst>
-              <a:ext uri="{FF2B5EF4-FFF2-40B4-BE49-F238E27FC236}">
-                <a16:creationId xmlns:a16="http://schemas.microsoft.com/office/drawing/2014/main" id="{8D13EF04-6767-70D1-DBC7-D909161E2E66}"/>
+          <p:cNvPr id="3" name="Picture 2">
+            <a:extLst>
+              <a:ext uri="{FF2B5EF4-FFF2-40B4-BE49-F238E27FC236}">
+                <a16:creationId xmlns:a16="http://schemas.microsoft.com/office/drawing/2014/main" id="{FD26B1C6-2AB4-C949-D171-20ECB3721CFA}"/>
               </a:ext>
             </a:extLst>
           </p:cNvPr>
@@ -7875,10 +7875,10 @@
       </p:sp>
       <p:pic>
         <p:nvPicPr>
-          <p:cNvPr id="2" name="Picture 1">
-            <a:extLst>
-              <a:ext uri="{FF2B5EF4-FFF2-40B4-BE49-F238E27FC236}">
-                <a16:creationId xmlns:a16="http://schemas.microsoft.com/office/drawing/2014/main" id="{AEED1BAA-0988-2E5C-D79F-C116C8ED29C0}"/>
+          <p:cNvPr id="4" name="Picture 3">
+            <a:extLst>
+              <a:ext uri="{FF2B5EF4-FFF2-40B4-BE49-F238E27FC236}">
+                <a16:creationId xmlns:a16="http://schemas.microsoft.com/office/drawing/2014/main" id="{AEA785F4-D056-47D4-6B56-C6EDB32E2EE5}"/>
               </a:ext>
             </a:extLst>
           </p:cNvPr>
@@ -7977,10 +7977,10 @@
       </p:sp>
       <p:pic>
         <p:nvPicPr>
-          <p:cNvPr id="2" name="Picture 1">
-            <a:extLst>
-              <a:ext uri="{FF2B5EF4-FFF2-40B4-BE49-F238E27FC236}">
-                <a16:creationId xmlns:a16="http://schemas.microsoft.com/office/drawing/2014/main" id="{4B56AE71-7E6F-017F-D8BC-8792398E6AA1}"/>
+          <p:cNvPr id="3" name="Picture 2">
+            <a:extLst>
+              <a:ext uri="{FF2B5EF4-FFF2-40B4-BE49-F238E27FC236}">
+                <a16:creationId xmlns:a16="http://schemas.microsoft.com/office/drawing/2014/main" id="{A42B4F76-90DB-5F79-AD49-6B6DD82DDBCD}"/>
               </a:ext>
             </a:extLst>
           </p:cNvPr>
@@ -8079,10 +8079,10 @@
       </p:sp>
       <p:pic>
         <p:nvPicPr>
-          <p:cNvPr id="2" name="Picture 1">
-            <a:extLst>
-              <a:ext uri="{FF2B5EF4-FFF2-40B4-BE49-F238E27FC236}">
-                <a16:creationId xmlns:a16="http://schemas.microsoft.com/office/drawing/2014/main" id="{D8C5BDCC-158F-D481-1B9C-151B70BC4A05}"/>
+          <p:cNvPr id="3" name="Picture 2">
+            <a:extLst>
+              <a:ext uri="{FF2B5EF4-FFF2-40B4-BE49-F238E27FC236}">
+                <a16:creationId xmlns:a16="http://schemas.microsoft.com/office/drawing/2014/main" id="{B9F5754E-4C48-2407-F787-DD2953F3BA55}"/>
               </a:ext>
             </a:extLst>
           </p:cNvPr>
@@ -8181,10 +8181,10 @@
       </p:sp>
       <p:pic>
         <p:nvPicPr>
-          <p:cNvPr id="2" name="Picture 1">
-            <a:extLst>
-              <a:ext uri="{FF2B5EF4-FFF2-40B4-BE49-F238E27FC236}">
-                <a16:creationId xmlns:a16="http://schemas.microsoft.com/office/drawing/2014/main" id="{5440AEFA-2E73-4034-2604-9F55E556BE41}"/>
+          <p:cNvPr id="3" name="Picture 2">
+            <a:extLst>
+              <a:ext uri="{FF2B5EF4-FFF2-40B4-BE49-F238E27FC236}">
+                <a16:creationId xmlns:a16="http://schemas.microsoft.com/office/drawing/2014/main" id="{9A6C0F1F-8A39-9784-414F-88B20E7135F9}"/>
               </a:ext>
             </a:extLst>
           </p:cNvPr>
@@ -8283,10 +8283,10 @@
       </p:sp>
       <p:pic>
         <p:nvPicPr>
-          <p:cNvPr id="2" name="Picture 1">
-            <a:extLst>
-              <a:ext uri="{FF2B5EF4-FFF2-40B4-BE49-F238E27FC236}">
-                <a16:creationId xmlns:a16="http://schemas.microsoft.com/office/drawing/2014/main" id="{BF2AED7E-D664-6886-AC57-0A155F58DAEB}"/>
+          <p:cNvPr id="3" name="Picture 2">
+            <a:extLst>
+              <a:ext uri="{FF2B5EF4-FFF2-40B4-BE49-F238E27FC236}">
+                <a16:creationId xmlns:a16="http://schemas.microsoft.com/office/drawing/2014/main" id="{89E1F635-3CF1-E090-0621-53A863EE7353}"/>
               </a:ext>
             </a:extLst>
           </p:cNvPr>
@@ -8385,10 +8385,10 @@
       </p:sp>
       <p:pic>
         <p:nvPicPr>
-          <p:cNvPr id="2" name="Picture 1">
-            <a:extLst>
-              <a:ext uri="{FF2B5EF4-FFF2-40B4-BE49-F238E27FC236}">
-                <a16:creationId xmlns:a16="http://schemas.microsoft.com/office/drawing/2014/main" id="{AB52B7C8-8BD7-9FB3-C149-32142F44AC04}"/>
+          <p:cNvPr id="3" name="Picture 2">
+            <a:extLst>
+              <a:ext uri="{FF2B5EF4-FFF2-40B4-BE49-F238E27FC236}">
+                <a16:creationId xmlns:a16="http://schemas.microsoft.com/office/drawing/2014/main" id="{BEB9EB80-A621-C05F-835D-88E0F1B26365}"/>
               </a:ext>
             </a:extLst>
           </p:cNvPr>
@@ -8487,10 +8487,10 @@
       </p:sp>
       <p:pic>
         <p:nvPicPr>
-          <p:cNvPr id="2" name="Picture 1">
-            <a:extLst>
-              <a:ext uri="{FF2B5EF4-FFF2-40B4-BE49-F238E27FC236}">
-                <a16:creationId xmlns:a16="http://schemas.microsoft.com/office/drawing/2014/main" id="{8E6B9D9A-7A81-D289-DF2B-661B9D02455C}"/>
+          <p:cNvPr id="3" name="Picture 2">
+            <a:extLst>
+              <a:ext uri="{FF2B5EF4-FFF2-40B4-BE49-F238E27FC236}">
+                <a16:creationId xmlns:a16="http://schemas.microsoft.com/office/drawing/2014/main" id="{A9034B12-ADAE-9D76-EE3F-6C28CABAA41D}"/>
               </a:ext>
             </a:extLst>
           </p:cNvPr>
@@ -8577,15 +8577,15 @@
       </p:sp>
       <p:pic>
         <p:nvPicPr>
-          <p:cNvPr id="3" name="Picture 2">
-            <a:extLst>
-              <a:ext uri="{FF2B5EF4-FFF2-40B4-BE49-F238E27FC236}">
-                <a16:creationId xmlns:a16="http://schemas.microsoft.com/office/drawing/2014/main" id="{D225BCA8-15B4-D5EB-4714-FC6B362C7861}"/>
+          <p:cNvPr id="2" name="Picture 1">
+            <a:extLst>
+              <a:ext uri="{FF2B5EF4-FFF2-40B4-BE49-F238E27FC236}">
+                <a16:creationId xmlns:a16="http://schemas.microsoft.com/office/drawing/2014/main" id="{1C0BE92B-A66E-10DB-3976-1ACA3B5EADDA}"/>
               </a:ext>
             </a:extLst>
           </p:cNvPr>
           <p:cNvPicPr>
-            <a:picLocks/>
+            <a:picLocks noChangeAspect="1"/>
           </p:cNvPicPr>
           <p:nvPr/>
         </p:nvPicPr>
@@ -8679,10 +8679,10 @@
       </p:sp>
       <p:pic>
         <p:nvPicPr>
-          <p:cNvPr id="2" name="Picture 1">
-            <a:extLst>
-              <a:ext uri="{FF2B5EF4-FFF2-40B4-BE49-F238E27FC236}">
-                <a16:creationId xmlns:a16="http://schemas.microsoft.com/office/drawing/2014/main" id="{CC65DA04-BAC0-4C46-07A5-0E35A8764B4A}"/>
+          <p:cNvPr id="4" name="Picture 3">
+            <a:extLst>
+              <a:ext uri="{FF2B5EF4-FFF2-40B4-BE49-F238E27FC236}">
+                <a16:creationId xmlns:a16="http://schemas.microsoft.com/office/drawing/2014/main" id="{D48B51C9-E57D-4776-766E-BA56D9057B2E}"/>
               </a:ext>
             </a:extLst>
           </p:cNvPr>
@@ -8781,10 +8781,10 @@
       </p:sp>
       <p:pic>
         <p:nvPicPr>
-          <p:cNvPr id="2" name="Picture 1">
-            <a:extLst>
-              <a:ext uri="{FF2B5EF4-FFF2-40B4-BE49-F238E27FC236}">
-                <a16:creationId xmlns:a16="http://schemas.microsoft.com/office/drawing/2014/main" id="{47F72ED6-D7A5-40FA-6CAD-5413E7043932}"/>
+          <p:cNvPr id="3" name="Picture 2">
+            <a:extLst>
+              <a:ext uri="{FF2B5EF4-FFF2-40B4-BE49-F238E27FC236}">
+                <a16:creationId xmlns:a16="http://schemas.microsoft.com/office/drawing/2014/main" id="{7FEA67F0-AB54-B419-690B-6CD10D242BE5}"/>
               </a:ext>
             </a:extLst>
           </p:cNvPr>
@@ -8883,10 +8883,10 @@
       </p:sp>
       <p:pic>
         <p:nvPicPr>
-          <p:cNvPr id="2" name="Picture 1">
-            <a:extLst>
-              <a:ext uri="{FF2B5EF4-FFF2-40B4-BE49-F238E27FC236}">
-                <a16:creationId xmlns:a16="http://schemas.microsoft.com/office/drawing/2014/main" id="{253166E0-3A2E-8475-0A83-0A823D063717}"/>
+          <p:cNvPr id="3" name="Picture 2">
+            <a:extLst>
+              <a:ext uri="{FF2B5EF4-FFF2-40B4-BE49-F238E27FC236}">
+                <a16:creationId xmlns:a16="http://schemas.microsoft.com/office/drawing/2014/main" id="{C0316584-BEEC-2447-5E48-EB5A58CB32F6}"/>
               </a:ext>
             </a:extLst>
           </p:cNvPr>
@@ -8985,10 +8985,10 @@
       </p:sp>
       <p:pic>
         <p:nvPicPr>
-          <p:cNvPr id="2" name="Picture 1">
-            <a:extLst>
-              <a:ext uri="{FF2B5EF4-FFF2-40B4-BE49-F238E27FC236}">
-                <a16:creationId xmlns:a16="http://schemas.microsoft.com/office/drawing/2014/main" id="{5D96C722-16C6-E1D6-E831-939CA3E23613}"/>
+          <p:cNvPr id="3" name="Picture 2">
+            <a:extLst>
+              <a:ext uri="{FF2B5EF4-FFF2-40B4-BE49-F238E27FC236}">
+                <a16:creationId xmlns:a16="http://schemas.microsoft.com/office/drawing/2014/main" id="{7113980C-1E03-A331-81A2-E26A27149AFB}"/>
               </a:ext>
             </a:extLst>
           </p:cNvPr>
@@ -9087,10 +9087,10 @@
       </p:sp>
       <p:pic>
         <p:nvPicPr>
-          <p:cNvPr id="3" name="Picture 2">
-            <a:extLst>
-              <a:ext uri="{FF2B5EF4-FFF2-40B4-BE49-F238E27FC236}">
-                <a16:creationId xmlns:a16="http://schemas.microsoft.com/office/drawing/2014/main" id="{3EBF72DA-D2F0-E30F-9116-883AC054A040}"/>
+          <p:cNvPr id="2" name="Picture 1">
+            <a:extLst>
+              <a:ext uri="{FF2B5EF4-FFF2-40B4-BE49-F238E27FC236}">
+                <a16:creationId xmlns:a16="http://schemas.microsoft.com/office/drawing/2014/main" id="{0A51F63A-EC8E-FE55-5182-D744A7E33A69}"/>
               </a:ext>
             </a:extLst>
           </p:cNvPr>
@@ -9177,15 +9177,15 @@
       </p:sp>
       <p:pic>
         <p:nvPicPr>
-          <p:cNvPr id="3" name="Picture 2">
-            <a:extLst>
-              <a:ext uri="{FF2B5EF4-FFF2-40B4-BE49-F238E27FC236}">
-                <a16:creationId xmlns:a16="http://schemas.microsoft.com/office/drawing/2014/main" id="{7A4453DD-C7E2-E4B0-2A57-DA8583FD423C}"/>
+          <p:cNvPr id="4" name="Picture 3">
+            <a:extLst>
+              <a:ext uri="{FF2B5EF4-FFF2-40B4-BE49-F238E27FC236}">
+                <a16:creationId xmlns:a16="http://schemas.microsoft.com/office/drawing/2014/main" id="{3E68A470-4C8B-4504-A19A-6725607F1BAA}"/>
               </a:ext>
             </a:extLst>
           </p:cNvPr>
           <p:cNvPicPr>
-            <a:picLocks/>
+            <a:picLocks noChangeAspect="1"/>
           </p:cNvPicPr>
           <p:nvPr/>
         </p:nvPicPr>
@@ -9267,15 +9267,15 @@
       </p:sp>
       <p:pic>
         <p:nvPicPr>
-          <p:cNvPr id="3" name="Picture 2">
-            <a:extLst>
-              <a:ext uri="{FF2B5EF4-FFF2-40B4-BE49-F238E27FC236}">
-                <a16:creationId xmlns:a16="http://schemas.microsoft.com/office/drawing/2014/main" id="{F475D8CD-59BD-07AD-7422-9F95A97BEEE2}"/>
+          <p:cNvPr id="4" name="Picture 3">
+            <a:extLst>
+              <a:ext uri="{FF2B5EF4-FFF2-40B4-BE49-F238E27FC236}">
+                <a16:creationId xmlns:a16="http://schemas.microsoft.com/office/drawing/2014/main" id="{17F3BD20-B086-E379-5CD7-68982625EC3E}"/>
               </a:ext>
             </a:extLst>
           </p:cNvPr>
           <p:cNvPicPr>
-            <a:picLocks/>
+            <a:picLocks noChangeAspect="1"/>
           </p:cNvPicPr>
           <p:nvPr/>
         </p:nvPicPr>
@@ -9365,15 +9365,15 @@
       </p:sp>
       <p:pic>
         <p:nvPicPr>
-          <p:cNvPr id="2" name="Picture 1">
-            <a:extLst>
-              <a:ext uri="{FF2B5EF4-FFF2-40B4-BE49-F238E27FC236}">
-                <a16:creationId xmlns:a16="http://schemas.microsoft.com/office/drawing/2014/main" id="{7E66E872-56CB-309A-A144-920A8AF80C4F}"/>
+          <p:cNvPr id="3" name="Picture 2">
+            <a:extLst>
+              <a:ext uri="{FF2B5EF4-FFF2-40B4-BE49-F238E27FC236}">
+                <a16:creationId xmlns:a16="http://schemas.microsoft.com/office/drawing/2014/main" id="{B1D5BA60-50BD-BC46-89D8-7A8D68D784D1}"/>
               </a:ext>
             </a:extLst>
           </p:cNvPr>
           <p:cNvPicPr>
-            <a:picLocks/>
+            <a:picLocks noChangeAspect="1"/>
           </p:cNvPicPr>
           <p:nvPr/>
         </p:nvPicPr>
